--- a/kanban_layout.pptx
+++ b/kanban_layout.pptx
@@ -7,6 +7,7 @@
   <p:sldIdLst>
     <p:sldId id="256" r:id="rId2"/>
     <p:sldId id="257" r:id="rId3"/>
+    <p:sldId id="258" r:id="rId4"/>
   </p:sldIdLst>
   <p:sldSz cx="12192000" cy="6858000"/>
   <p:notesSz cx="6858000" cy="9144000"/>
@@ -4099,6 +4100,77 @@
           </a:p>
         </p:txBody>
       </p:sp>
+      <p:sp>
+        <p:nvSpPr>
+          <p:cNvPr id="2" name="Rectangle: Rounded Corners 1">
+            <a:extLst>
+              <a:ext uri="{FF2B5EF4-FFF2-40B4-BE49-F238E27FC236}">
+                <a16:creationId xmlns:a16="http://schemas.microsoft.com/office/drawing/2014/main" id="{BA75017F-4C49-FDEC-32B0-096D008CA1B6}"/>
+              </a:ext>
+            </a:extLst>
+          </p:cNvPr>
+          <p:cNvSpPr/>
+          <p:nvPr/>
+        </p:nvSpPr>
+        <p:spPr>
+          <a:xfrm>
+            <a:off x="4521849" y="1344347"/>
+            <a:ext cx="298506" cy="213099"/>
+          </a:xfrm>
+          <a:prstGeom prst="roundRect">
+            <a:avLst/>
+          </a:prstGeom>
+          <a:solidFill>
+            <a:schemeClr val="accent1">
+              <a:lumMod val="60000"/>
+              <a:lumOff val="40000"/>
+            </a:schemeClr>
+          </a:solidFill>
+          <a:ln>
+            <a:noFill/>
+          </a:ln>
+          <a:effectLst/>
+          <a:scene3d>
+            <a:camera prst="orthographicFront">
+              <a:rot lat="0" lon="0" rev="0"/>
+            </a:camera>
+            <a:lightRig rig="contrasting" dir="t">
+              <a:rot lat="0" lon="0" rev="7800000"/>
+            </a:lightRig>
+          </a:scene3d>
+          <a:sp3d>
+            <a:bevelT w="139700" h="139700"/>
+          </a:sp3d>
+        </p:spPr>
+        <p:style>
+          <a:lnRef idx="2">
+            <a:schemeClr val="accent1">
+              <a:shade val="50000"/>
+            </a:schemeClr>
+          </a:lnRef>
+          <a:fillRef idx="1">
+            <a:schemeClr val="accent1"/>
+          </a:fillRef>
+          <a:effectRef idx="0">
+            <a:schemeClr val="accent1"/>
+          </a:effectRef>
+          <a:fontRef idx="minor">
+            <a:schemeClr val="lt1"/>
+          </a:fontRef>
+        </p:style>
+        <p:txBody>
+          <a:bodyPr rtlCol="0" anchor="ctr"/>
+          <a:lstStyle/>
+          <a:p>
+            <a:pPr algn="ctr"/>
+            <a:endParaRPr lang="en-GB" dirty="0">
+              <a:solidFill>
+                <a:schemeClr val="tx1"/>
+              </a:solidFill>
+            </a:endParaRPr>
+          </a:p>
+        </p:txBody>
+      </p:sp>
     </p:spTree>
     <p:extLst>
       <p:ext uri="{BB962C8B-B14F-4D97-AF65-F5344CB8AC3E}">
@@ -4143,8 +4215,8 @@
         </p:nvSpPr>
         <p:spPr>
           <a:xfrm>
-            <a:off x="2651760" y="1207008"/>
-            <a:ext cx="5513832" cy="2386584"/>
+            <a:off x="2640471" y="738492"/>
+            <a:ext cx="5513832" cy="5560708"/>
           </a:xfrm>
           <a:prstGeom prst="rect">
             <a:avLst/>
@@ -4192,7 +4264,7 @@
         </p:nvSpPr>
         <p:spPr>
           <a:xfrm>
-            <a:off x="2871216" y="1444752"/>
+            <a:off x="2848638" y="1038352"/>
             <a:ext cx="1581912" cy="369332"/>
           </a:xfrm>
           <a:prstGeom prst="rect">
@@ -4232,7 +4304,7 @@
         </p:nvSpPr>
         <p:spPr>
           <a:xfrm>
-            <a:off x="2871216" y="1867162"/>
+            <a:off x="2848638" y="1460762"/>
             <a:ext cx="1581912" cy="369332"/>
           </a:xfrm>
           <a:prstGeom prst="rect">
@@ -4268,7 +4340,7 @@
         </p:nvSpPr>
         <p:spPr>
           <a:xfrm>
-            <a:off x="4315968" y="1504188"/>
+            <a:off x="4293390" y="1097788"/>
             <a:ext cx="3547872" cy="250460"/>
           </a:xfrm>
           <a:prstGeom prst="rect">
@@ -4317,7 +4389,7 @@
         </p:nvSpPr>
         <p:spPr>
           <a:xfrm>
-            <a:off x="4315968" y="1926598"/>
+            <a:off x="4293390" y="1520198"/>
             <a:ext cx="3547872" cy="250460"/>
           </a:xfrm>
           <a:prstGeom prst="rect">
@@ -4366,7 +4438,7 @@
         </p:nvSpPr>
         <p:spPr>
           <a:xfrm>
-            <a:off x="4315968" y="2945261"/>
+            <a:off x="4293390" y="2538861"/>
             <a:ext cx="1460754" cy="265176"/>
           </a:xfrm>
           <a:prstGeom prst="roundRect">
@@ -4445,7 +4517,7 @@
         </p:nvSpPr>
         <p:spPr>
           <a:xfrm>
-            <a:off x="6415280" y="2938849"/>
+            <a:off x="6392702" y="2532449"/>
             <a:ext cx="1460754" cy="265176"/>
           </a:xfrm>
           <a:prstGeom prst="roundRect">
@@ -4524,7 +4596,7 @@
         </p:nvSpPr>
         <p:spPr>
           <a:xfrm>
-            <a:off x="2877312" y="2338185"/>
+            <a:off x="2854734" y="1931785"/>
             <a:ext cx="1581912" cy="369332"/>
           </a:xfrm>
           <a:prstGeom prst="rect">
@@ -4560,7 +4632,7 @@
         </p:nvSpPr>
         <p:spPr>
           <a:xfrm>
-            <a:off x="4322064" y="2397621"/>
+            <a:off x="4299486" y="1991221"/>
             <a:ext cx="3547872" cy="250460"/>
           </a:xfrm>
           <a:prstGeom prst="rect">
@@ -4609,7 +4681,7 @@
         </p:nvSpPr>
         <p:spPr>
           <a:xfrm rot="10800000">
-            <a:off x="7701534" y="2018431"/>
+            <a:off x="7678956" y="1612031"/>
             <a:ext cx="82296" cy="66794"/>
           </a:xfrm>
           <a:prstGeom prst="triangle">
@@ -4644,10 +4716,935 @@
           </a:p>
         </p:txBody>
       </p:sp>
+      <p:sp>
+        <p:nvSpPr>
+          <p:cNvPr id="14" name="TextBox 13">
+            <a:extLst>
+              <a:ext uri="{FF2B5EF4-FFF2-40B4-BE49-F238E27FC236}">
+                <a16:creationId xmlns:a16="http://schemas.microsoft.com/office/drawing/2014/main" id="{CBFCF507-9162-F41B-F613-517102A1870D}"/>
+              </a:ext>
+            </a:extLst>
+          </p:cNvPr>
+          <p:cNvSpPr txBox="1"/>
+          <p:nvPr/>
+        </p:nvSpPr>
+        <p:spPr>
+          <a:xfrm>
+            <a:off x="2848638" y="2931201"/>
+            <a:ext cx="1581912" cy="369332"/>
+          </a:xfrm>
+          <a:prstGeom prst="rect">
+            <a:avLst/>
+          </a:prstGeom>
+          <a:noFill/>
+        </p:spPr>
+        <p:txBody>
+          <a:bodyPr wrap="square" rtlCol="0">
+            <a:spAutoFit/>
+          </a:bodyPr>
+          <a:lstStyle/>
+          <a:p>
+            <a:r>
+              <a:rPr lang="fi-FI" dirty="0" err="1"/>
+              <a:t>Taskin</a:t>
+            </a:r>
+            <a:r>
+              <a:rPr lang="fi-FI" dirty="0"/>
+              <a:t> kuvaus</a:t>
+            </a:r>
+            <a:endParaRPr lang="en-GB" dirty="0"/>
+          </a:p>
+        </p:txBody>
+      </p:sp>
+      <p:sp>
+        <p:nvSpPr>
+          <p:cNvPr id="15" name="Rectangle 14">
+            <a:extLst>
+              <a:ext uri="{FF2B5EF4-FFF2-40B4-BE49-F238E27FC236}">
+                <a16:creationId xmlns:a16="http://schemas.microsoft.com/office/drawing/2014/main" id="{5FB6FCF9-E946-A729-B66C-E45610A94066}"/>
+              </a:ext>
+            </a:extLst>
+          </p:cNvPr>
+          <p:cNvSpPr/>
+          <p:nvPr/>
+        </p:nvSpPr>
+        <p:spPr>
+          <a:xfrm>
+            <a:off x="3006456" y="3425881"/>
+            <a:ext cx="4846999" cy="2128251"/>
+          </a:xfrm>
+          <a:prstGeom prst="rect">
+            <a:avLst/>
+          </a:prstGeom>
+          <a:solidFill>
+            <a:schemeClr val="bg1"/>
+          </a:solidFill>
+        </p:spPr>
+        <p:style>
+          <a:lnRef idx="2">
+            <a:schemeClr val="accent1">
+              <a:shade val="50000"/>
+            </a:schemeClr>
+          </a:lnRef>
+          <a:fillRef idx="1">
+            <a:schemeClr val="accent1"/>
+          </a:fillRef>
+          <a:effectRef idx="0">
+            <a:schemeClr val="accent1"/>
+          </a:effectRef>
+          <a:fontRef idx="minor">
+            <a:schemeClr val="lt1"/>
+          </a:fontRef>
+        </p:style>
+        <p:txBody>
+          <a:bodyPr rtlCol="0" anchor="ctr"/>
+          <a:lstStyle/>
+          <a:p>
+            <a:pPr algn="ctr"/>
+            <a:endParaRPr lang="en-GB"/>
+          </a:p>
+        </p:txBody>
+      </p:sp>
+      <p:sp>
+        <p:nvSpPr>
+          <p:cNvPr id="16" name="TextBox 15">
+            <a:extLst>
+              <a:ext uri="{FF2B5EF4-FFF2-40B4-BE49-F238E27FC236}">
+                <a16:creationId xmlns:a16="http://schemas.microsoft.com/office/drawing/2014/main" id="{C183D064-17D5-A051-DEB8-636F5D0AF3B3}"/>
+              </a:ext>
+            </a:extLst>
+          </p:cNvPr>
+          <p:cNvSpPr txBox="1"/>
+          <p:nvPr/>
+        </p:nvSpPr>
+        <p:spPr>
+          <a:xfrm>
+            <a:off x="2985798" y="5729132"/>
+            <a:ext cx="1307592" cy="369332"/>
+          </a:xfrm>
+          <a:prstGeom prst="rect">
+            <a:avLst/>
+          </a:prstGeom>
+          <a:noFill/>
+        </p:spPr>
+        <p:txBody>
+          <a:bodyPr wrap="square" rtlCol="0">
+            <a:spAutoFit/>
+          </a:bodyPr>
+          <a:lstStyle/>
+          <a:p>
+            <a:r>
+              <a:rPr lang="fi-FI" dirty="0" err="1"/>
+              <a:t>Luomispvm</a:t>
+            </a:r>
+            <a:endParaRPr lang="en-GB" dirty="0"/>
+          </a:p>
+        </p:txBody>
+      </p:sp>
+      <p:sp>
+        <p:nvSpPr>
+          <p:cNvPr id="17" name="Rectangle 16">
+            <a:extLst>
+              <a:ext uri="{FF2B5EF4-FFF2-40B4-BE49-F238E27FC236}">
+                <a16:creationId xmlns:a16="http://schemas.microsoft.com/office/drawing/2014/main" id="{E31C0F78-2185-64E7-AD47-BAE2EBAFE5AC}"/>
+              </a:ext>
+            </a:extLst>
+          </p:cNvPr>
+          <p:cNvSpPr/>
+          <p:nvPr/>
+        </p:nvSpPr>
+        <p:spPr>
+          <a:xfrm>
+            <a:off x="4430550" y="5729132"/>
+            <a:ext cx="920383" cy="309896"/>
+          </a:xfrm>
+          <a:prstGeom prst="rect">
+            <a:avLst/>
+          </a:prstGeom>
+          <a:solidFill>
+            <a:schemeClr val="bg1"/>
+          </a:solidFill>
+        </p:spPr>
+        <p:style>
+          <a:lnRef idx="2">
+            <a:schemeClr val="accent1">
+              <a:shade val="50000"/>
+            </a:schemeClr>
+          </a:lnRef>
+          <a:fillRef idx="1">
+            <a:schemeClr val="accent1"/>
+          </a:fillRef>
+          <a:effectRef idx="0">
+            <a:schemeClr val="accent1"/>
+          </a:effectRef>
+          <a:fontRef idx="minor">
+            <a:schemeClr val="lt1"/>
+          </a:fontRef>
+        </p:style>
+        <p:txBody>
+          <a:bodyPr rtlCol="0" anchor="ctr"/>
+          <a:lstStyle/>
+          <a:p>
+            <a:pPr algn="ctr"/>
+            <a:endParaRPr lang="en-GB"/>
+          </a:p>
+        </p:txBody>
+      </p:sp>
+      <p:sp>
+        <p:nvSpPr>
+          <p:cNvPr id="18" name="TextBox 17">
+            <a:extLst>
+              <a:ext uri="{FF2B5EF4-FFF2-40B4-BE49-F238E27FC236}">
+                <a16:creationId xmlns:a16="http://schemas.microsoft.com/office/drawing/2014/main" id="{6086B7F9-ABFA-CA6B-E13A-95852CAA82D2}"/>
+              </a:ext>
+            </a:extLst>
+          </p:cNvPr>
+          <p:cNvSpPr txBox="1"/>
+          <p:nvPr/>
+        </p:nvSpPr>
+        <p:spPr>
+          <a:xfrm>
+            <a:off x="5595564" y="5729132"/>
+            <a:ext cx="1307592" cy="369332"/>
+          </a:xfrm>
+          <a:prstGeom prst="rect">
+            <a:avLst/>
+          </a:prstGeom>
+          <a:noFill/>
+        </p:spPr>
+        <p:txBody>
+          <a:bodyPr wrap="square" rtlCol="0">
+            <a:spAutoFit/>
+          </a:bodyPr>
+          <a:lstStyle/>
+          <a:p>
+            <a:r>
+              <a:rPr lang="fi-FI" dirty="0" err="1"/>
+              <a:t>Taskin</a:t>
+            </a:r>
+            <a:r>
+              <a:rPr lang="fi-FI" dirty="0"/>
+              <a:t> luoja</a:t>
+            </a:r>
+            <a:endParaRPr lang="en-GB" dirty="0"/>
+          </a:p>
+        </p:txBody>
+      </p:sp>
+      <p:sp>
+        <p:nvSpPr>
+          <p:cNvPr id="19" name="Rectangle 18">
+            <a:extLst>
+              <a:ext uri="{FF2B5EF4-FFF2-40B4-BE49-F238E27FC236}">
+                <a16:creationId xmlns:a16="http://schemas.microsoft.com/office/drawing/2014/main" id="{25BD2951-5FB5-BFCA-261C-62FDEE27F09D}"/>
+              </a:ext>
+            </a:extLst>
+          </p:cNvPr>
+          <p:cNvSpPr/>
+          <p:nvPr/>
+        </p:nvSpPr>
+        <p:spPr>
+          <a:xfrm>
+            <a:off x="7040316" y="5729132"/>
+            <a:ext cx="920383" cy="309896"/>
+          </a:xfrm>
+          <a:prstGeom prst="rect">
+            <a:avLst/>
+          </a:prstGeom>
+          <a:solidFill>
+            <a:schemeClr val="bg1"/>
+          </a:solidFill>
+        </p:spPr>
+        <p:style>
+          <a:lnRef idx="2">
+            <a:schemeClr val="accent1">
+              <a:shade val="50000"/>
+            </a:schemeClr>
+          </a:lnRef>
+          <a:fillRef idx="1">
+            <a:schemeClr val="accent1"/>
+          </a:fillRef>
+          <a:effectRef idx="0">
+            <a:schemeClr val="accent1"/>
+          </a:effectRef>
+          <a:fontRef idx="minor">
+            <a:schemeClr val="lt1"/>
+          </a:fontRef>
+        </p:style>
+        <p:txBody>
+          <a:bodyPr rtlCol="0" anchor="ctr"/>
+          <a:lstStyle/>
+          <a:p>
+            <a:pPr algn="ctr"/>
+            <a:endParaRPr lang="en-GB"/>
+          </a:p>
+        </p:txBody>
+      </p:sp>
     </p:spTree>
     <p:extLst>
       <p:ext uri="{BB962C8B-B14F-4D97-AF65-F5344CB8AC3E}">
         <p14:creationId xmlns:p14="http://schemas.microsoft.com/office/powerpoint/2010/main" val="501765413"/>
+      </p:ext>
+    </p:extLst>
+  </p:cSld>
+  <p:clrMapOvr>
+    <a:masterClrMapping/>
+  </p:clrMapOvr>
+</p:sld>
+</file>
+
+<file path=ppt/slides/slide3.xml><?xml version="1.0" encoding="utf-8"?>
+<p:sld xmlns:a="http://schemas.openxmlformats.org/drawingml/2006/main" xmlns:r="http://schemas.openxmlformats.org/officeDocument/2006/relationships" xmlns:p="http://schemas.openxmlformats.org/presentationml/2006/main">
+  <p:cSld>
+    <p:spTree>
+      <p:nvGrpSpPr>
+        <p:cNvPr id="1" name=""/>
+        <p:cNvGrpSpPr/>
+        <p:nvPr/>
+      </p:nvGrpSpPr>
+      <p:grpSpPr>
+        <a:xfrm>
+          <a:off x="0" y="0"/>
+          <a:ext cx="0" cy="0"/>
+          <a:chOff x="0" y="0"/>
+          <a:chExt cx="0" cy="0"/>
+        </a:xfrm>
+      </p:grpSpPr>
+      <p:sp>
+        <p:nvSpPr>
+          <p:cNvPr id="2" name="Rectangle 1">
+            <a:extLst>
+              <a:ext uri="{FF2B5EF4-FFF2-40B4-BE49-F238E27FC236}">
+                <a16:creationId xmlns:a16="http://schemas.microsoft.com/office/drawing/2014/main" id="{63E54465-822E-BC55-2B5F-B3ACB4331EB4}"/>
+              </a:ext>
+            </a:extLst>
+          </p:cNvPr>
+          <p:cNvSpPr/>
+          <p:nvPr/>
+        </p:nvSpPr>
+        <p:spPr>
+          <a:xfrm>
+            <a:off x="2640471" y="738492"/>
+            <a:ext cx="5513832" cy="3438397"/>
+          </a:xfrm>
+          <a:prstGeom prst="rect">
+            <a:avLst/>
+          </a:prstGeom>
+          <a:solidFill>
+            <a:schemeClr val="bg1"/>
+          </a:solidFill>
+        </p:spPr>
+        <p:style>
+          <a:lnRef idx="2">
+            <a:schemeClr val="accent1">
+              <a:shade val="50000"/>
+            </a:schemeClr>
+          </a:lnRef>
+          <a:fillRef idx="1">
+            <a:schemeClr val="accent1"/>
+          </a:fillRef>
+          <a:effectRef idx="0">
+            <a:schemeClr val="accent1"/>
+          </a:effectRef>
+          <a:fontRef idx="minor">
+            <a:schemeClr val="lt1"/>
+          </a:fontRef>
+        </p:style>
+        <p:txBody>
+          <a:bodyPr rtlCol="0" anchor="ctr"/>
+          <a:lstStyle/>
+          <a:p>
+            <a:pPr algn="ctr"/>
+            <a:endParaRPr lang="en-GB"/>
+          </a:p>
+        </p:txBody>
+      </p:sp>
+      <p:sp>
+        <p:nvSpPr>
+          <p:cNvPr id="3" name="TextBox 2">
+            <a:extLst>
+              <a:ext uri="{FF2B5EF4-FFF2-40B4-BE49-F238E27FC236}">
+                <a16:creationId xmlns:a16="http://schemas.microsoft.com/office/drawing/2014/main" id="{312E8C43-CBB5-D217-A08A-FF3B865E4D81}"/>
+              </a:ext>
+            </a:extLst>
+          </p:cNvPr>
+          <p:cNvSpPr txBox="1"/>
+          <p:nvPr/>
+        </p:nvSpPr>
+        <p:spPr>
+          <a:xfrm>
+            <a:off x="2848638" y="1038352"/>
+            <a:ext cx="1581912" cy="369332"/>
+          </a:xfrm>
+          <a:prstGeom prst="rect">
+            <a:avLst/>
+          </a:prstGeom>
+          <a:noFill/>
+        </p:spPr>
+        <p:txBody>
+          <a:bodyPr wrap="square" rtlCol="0">
+            <a:spAutoFit/>
+          </a:bodyPr>
+          <a:lstStyle/>
+          <a:p>
+            <a:r>
+              <a:rPr lang="fi-FI" dirty="0"/>
+              <a:t>Etunimi</a:t>
+            </a:r>
+            <a:endParaRPr lang="en-GB" dirty="0"/>
+          </a:p>
+        </p:txBody>
+      </p:sp>
+      <p:sp>
+        <p:nvSpPr>
+          <p:cNvPr id="4" name="TextBox 3">
+            <a:extLst>
+              <a:ext uri="{FF2B5EF4-FFF2-40B4-BE49-F238E27FC236}">
+                <a16:creationId xmlns:a16="http://schemas.microsoft.com/office/drawing/2014/main" id="{B61CF9C1-C75E-5DE6-B9C2-0F6978176B81}"/>
+              </a:ext>
+            </a:extLst>
+          </p:cNvPr>
+          <p:cNvSpPr txBox="1"/>
+          <p:nvPr/>
+        </p:nvSpPr>
+        <p:spPr>
+          <a:xfrm>
+            <a:off x="2848638" y="1460762"/>
+            <a:ext cx="1581912" cy="369332"/>
+          </a:xfrm>
+          <a:prstGeom prst="rect">
+            <a:avLst/>
+          </a:prstGeom>
+          <a:noFill/>
+        </p:spPr>
+        <p:txBody>
+          <a:bodyPr wrap="square" rtlCol="0">
+            <a:spAutoFit/>
+          </a:bodyPr>
+          <a:lstStyle/>
+          <a:p>
+            <a:r>
+              <a:rPr lang="fi-FI" dirty="0"/>
+              <a:t>Sukunimi</a:t>
+            </a:r>
+            <a:endParaRPr lang="en-GB" dirty="0"/>
+          </a:p>
+        </p:txBody>
+      </p:sp>
+      <p:sp>
+        <p:nvSpPr>
+          <p:cNvPr id="5" name="Rectangle 4">
+            <a:extLst>
+              <a:ext uri="{FF2B5EF4-FFF2-40B4-BE49-F238E27FC236}">
+                <a16:creationId xmlns:a16="http://schemas.microsoft.com/office/drawing/2014/main" id="{FB59F99C-6E1D-5957-8FB9-0F2D37EE40B4}"/>
+              </a:ext>
+            </a:extLst>
+          </p:cNvPr>
+          <p:cNvSpPr/>
+          <p:nvPr/>
+        </p:nvSpPr>
+        <p:spPr>
+          <a:xfrm>
+            <a:off x="4293390" y="1097788"/>
+            <a:ext cx="3547872" cy="250460"/>
+          </a:xfrm>
+          <a:prstGeom prst="rect">
+            <a:avLst/>
+          </a:prstGeom>
+          <a:solidFill>
+            <a:schemeClr val="bg1"/>
+          </a:solidFill>
+        </p:spPr>
+        <p:style>
+          <a:lnRef idx="2">
+            <a:schemeClr val="accent1">
+              <a:shade val="50000"/>
+            </a:schemeClr>
+          </a:lnRef>
+          <a:fillRef idx="1">
+            <a:schemeClr val="accent1"/>
+          </a:fillRef>
+          <a:effectRef idx="0">
+            <a:schemeClr val="accent1"/>
+          </a:effectRef>
+          <a:fontRef idx="minor">
+            <a:schemeClr val="lt1"/>
+          </a:fontRef>
+        </p:style>
+        <p:txBody>
+          <a:bodyPr rtlCol="0" anchor="ctr"/>
+          <a:lstStyle/>
+          <a:p>
+            <a:pPr algn="ctr"/>
+            <a:endParaRPr lang="en-GB"/>
+          </a:p>
+        </p:txBody>
+      </p:sp>
+      <p:sp>
+        <p:nvSpPr>
+          <p:cNvPr id="7" name="Rectangle: Rounded Corners 6">
+            <a:extLst>
+              <a:ext uri="{FF2B5EF4-FFF2-40B4-BE49-F238E27FC236}">
+                <a16:creationId xmlns:a16="http://schemas.microsoft.com/office/drawing/2014/main" id="{09256668-7F8A-CEEF-59FE-2185BAF7BFC5}"/>
+              </a:ext>
+            </a:extLst>
+          </p:cNvPr>
+          <p:cNvSpPr/>
+          <p:nvPr/>
+        </p:nvSpPr>
+        <p:spPr>
+          <a:xfrm>
+            <a:off x="4293390" y="2928499"/>
+            <a:ext cx="1460754" cy="265176"/>
+          </a:xfrm>
+          <a:prstGeom prst="roundRect">
+            <a:avLst/>
+          </a:prstGeom>
+          <a:solidFill>
+            <a:schemeClr val="accent1">
+              <a:lumMod val="60000"/>
+              <a:lumOff val="40000"/>
+            </a:schemeClr>
+          </a:solidFill>
+          <a:ln>
+            <a:noFill/>
+          </a:ln>
+          <a:effectLst/>
+          <a:scene3d>
+            <a:camera prst="orthographicFront">
+              <a:rot lat="0" lon="0" rev="0"/>
+            </a:camera>
+            <a:lightRig rig="contrasting" dir="t">
+              <a:rot lat="0" lon="0" rev="7800000"/>
+            </a:lightRig>
+          </a:scene3d>
+          <a:sp3d>
+            <a:bevelT w="139700" h="139700"/>
+          </a:sp3d>
+        </p:spPr>
+        <p:style>
+          <a:lnRef idx="2">
+            <a:schemeClr val="accent1">
+              <a:shade val="50000"/>
+            </a:schemeClr>
+          </a:lnRef>
+          <a:fillRef idx="1">
+            <a:schemeClr val="accent1"/>
+          </a:fillRef>
+          <a:effectRef idx="0">
+            <a:schemeClr val="accent1"/>
+          </a:effectRef>
+          <a:fontRef idx="minor">
+            <a:schemeClr val="lt1"/>
+          </a:fontRef>
+        </p:style>
+        <p:txBody>
+          <a:bodyPr rtlCol="0" anchor="ctr"/>
+          <a:lstStyle/>
+          <a:p>
+            <a:pPr algn="ctr"/>
+            <a:r>
+              <a:rPr lang="fi-FI" dirty="0">
+                <a:solidFill>
+                  <a:schemeClr val="tx1"/>
+                </a:solidFill>
+              </a:rPr>
+              <a:t>OK</a:t>
+            </a:r>
+            <a:endParaRPr lang="en-GB" dirty="0">
+              <a:solidFill>
+                <a:schemeClr val="tx1"/>
+              </a:solidFill>
+            </a:endParaRPr>
+          </a:p>
+        </p:txBody>
+      </p:sp>
+      <p:sp>
+        <p:nvSpPr>
+          <p:cNvPr id="8" name="Rectangle: Rounded Corners 7">
+            <a:extLst>
+              <a:ext uri="{FF2B5EF4-FFF2-40B4-BE49-F238E27FC236}">
+                <a16:creationId xmlns:a16="http://schemas.microsoft.com/office/drawing/2014/main" id="{604EAA2B-BE27-1C19-C23A-243448BE5545}"/>
+              </a:ext>
+            </a:extLst>
+          </p:cNvPr>
+          <p:cNvSpPr/>
+          <p:nvPr/>
+        </p:nvSpPr>
+        <p:spPr>
+          <a:xfrm>
+            <a:off x="6392702" y="2922087"/>
+            <a:ext cx="1460754" cy="265176"/>
+          </a:xfrm>
+          <a:prstGeom prst="roundRect">
+            <a:avLst/>
+          </a:prstGeom>
+          <a:solidFill>
+            <a:schemeClr val="accent1">
+              <a:lumMod val="60000"/>
+              <a:lumOff val="40000"/>
+            </a:schemeClr>
+          </a:solidFill>
+          <a:ln>
+            <a:noFill/>
+          </a:ln>
+          <a:effectLst/>
+          <a:scene3d>
+            <a:camera prst="orthographicFront">
+              <a:rot lat="0" lon="0" rev="0"/>
+            </a:camera>
+            <a:lightRig rig="contrasting" dir="t">
+              <a:rot lat="0" lon="0" rev="7800000"/>
+            </a:lightRig>
+          </a:scene3d>
+          <a:sp3d>
+            <a:bevelT w="139700" h="139700"/>
+          </a:sp3d>
+        </p:spPr>
+        <p:style>
+          <a:lnRef idx="2">
+            <a:schemeClr val="accent1">
+              <a:shade val="50000"/>
+            </a:schemeClr>
+          </a:lnRef>
+          <a:fillRef idx="1">
+            <a:schemeClr val="accent1"/>
+          </a:fillRef>
+          <a:effectRef idx="0">
+            <a:schemeClr val="accent1"/>
+          </a:effectRef>
+          <a:fontRef idx="minor">
+            <a:schemeClr val="lt1"/>
+          </a:fontRef>
+        </p:style>
+        <p:txBody>
+          <a:bodyPr rtlCol="0" anchor="ctr"/>
+          <a:lstStyle/>
+          <a:p>
+            <a:pPr algn="ctr"/>
+            <a:r>
+              <a:rPr lang="fi-FI" dirty="0">
+                <a:solidFill>
+                  <a:schemeClr val="tx1"/>
+                </a:solidFill>
+              </a:rPr>
+              <a:t>Peruuta</a:t>
+            </a:r>
+            <a:endParaRPr lang="en-GB" dirty="0">
+              <a:solidFill>
+                <a:schemeClr val="tx1"/>
+              </a:solidFill>
+            </a:endParaRPr>
+          </a:p>
+        </p:txBody>
+      </p:sp>
+      <p:sp>
+        <p:nvSpPr>
+          <p:cNvPr id="9" name="TextBox 8">
+            <a:extLst>
+              <a:ext uri="{FF2B5EF4-FFF2-40B4-BE49-F238E27FC236}">
+                <a16:creationId xmlns:a16="http://schemas.microsoft.com/office/drawing/2014/main" id="{4E834DD5-9B1D-6D59-97AA-982C844578A9}"/>
+              </a:ext>
+            </a:extLst>
+          </p:cNvPr>
+          <p:cNvSpPr txBox="1"/>
+          <p:nvPr/>
+        </p:nvSpPr>
+        <p:spPr>
+          <a:xfrm>
+            <a:off x="2872120" y="1830094"/>
+            <a:ext cx="1120421" cy="646331"/>
+          </a:xfrm>
+          <a:prstGeom prst="rect">
+            <a:avLst/>
+          </a:prstGeom>
+          <a:noFill/>
+        </p:spPr>
+        <p:txBody>
+          <a:bodyPr wrap="square" rtlCol="0">
+            <a:spAutoFit/>
+          </a:bodyPr>
+          <a:lstStyle/>
+          <a:p>
+            <a:r>
+              <a:rPr lang="fi-FI" dirty="0"/>
+              <a:t>Käyttäjä-tunnus</a:t>
+            </a:r>
+            <a:endParaRPr lang="en-GB" dirty="0"/>
+          </a:p>
+        </p:txBody>
+      </p:sp>
+      <p:sp>
+        <p:nvSpPr>
+          <p:cNvPr id="10" name="Rectangle 9">
+            <a:extLst>
+              <a:ext uri="{FF2B5EF4-FFF2-40B4-BE49-F238E27FC236}">
+                <a16:creationId xmlns:a16="http://schemas.microsoft.com/office/drawing/2014/main" id="{09FF9734-7ACD-2103-7D31-A62A5B1DF0FD}"/>
+              </a:ext>
+            </a:extLst>
+          </p:cNvPr>
+          <p:cNvSpPr/>
+          <p:nvPr/>
+        </p:nvSpPr>
+        <p:spPr>
+          <a:xfrm>
+            <a:off x="4299486" y="1991221"/>
+            <a:ext cx="3547872" cy="250460"/>
+          </a:xfrm>
+          <a:prstGeom prst="rect">
+            <a:avLst/>
+          </a:prstGeom>
+          <a:solidFill>
+            <a:schemeClr val="bg1"/>
+          </a:solidFill>
+        </p:spPr>
+        <p:style>
+          <a:lnRef idx="2">
+            <a:schemeClr val="accent1">
+              <a:shade val="50000"/>
+            </a:schemeClr>
+          </a:lnRef>
+          <a:fillRef idx="1">
+            <a:schemeClr val="accent1"/>
+          </a:fillRef>
+          <a:effectRef idx="0">
+            <a:schemeClr val="accent1"/>
+          </a:effectRef>
+          <a:fontRef idx="minor">
+            <a:schemeClr val="lt1"/>
+          </a:fontRef>
+        </p:style>
+        <p:txBody>
+          <a:bodyPr rtlCol="0" anchor="ctr"/>
+          <a:lstStyle/>
+          <a:p>
+            <a:pPr algn="ctr"/>
+            <a:endParaRPr lang="en-GB"/>
+          </a:p>
+        </p:txBody>
+      </p:sp>
+      <p:sp>
+        <p:nvSpPr>
+          <p:cNvPr id="16" name="TextBox 15">
+            <a:extLst>
+              <a:ext uri="{FF2B5EF4-FFF2-40B4-BE49-F238E27FC236}">
+                <a16:creationId xmlns:a16="http://schemas.microsoft.com/office/drawing/2014/main" id="{C183D064-17D5-A051-DEB8-636F5D0AF3B3}"/>
+              </a:ext>
+            </a:extLst>
+          </p:cNvPr>
+          <p:cNvSpPr txBox="1"/>
+          <p:nvPr/>
+        </p:nvSpPr>
+        <p:spPr>
+          <a:xfrm>
+            <a:off x="2878554" y="3570085"/>
+            <a:ext cx="1307592" cy="369332"/>
+          </a:xfrm>
+          <a:prstGeom prst="rect">
+            <a:avLst/>
+          </a:prstGeom>
+          <a:noFill/>
+        </p:spPr>
+        <p:txBody>
+          <a:bodyPr wrap="square" rtlCol="0">
+            <a:spAutoFit/>
+          </a:bodyPr>
+          <a:lstStyle/>
+          <a:p>
+            <a:r>
+              <a:rPr lang="fi-FI" dirty="0" err="1"/>
+              <a:t>Luomispvm</a:t>
+            </a:r>
+            <a:endParaRPr lang="en-GB" dirty="0"/>
+          </a:p>
+        </p:txBody>
+      </p:sp>
+      <p:sp>
+        <p:nvSpPr>
+          <p:cNvPr id="17" name="Rectangle 16">
+            <a:extLst>
+              <a:ext uri="{FF2B5EF4-FFF2-40B4-BE49-F238E27FC236}">
+                <a16:creationId xmlns:a16="http://schemas.microsoft.com/office/drawing/2014/main" id="{E31C0F78-2185-64E7-AD47-BAE2EBAFE5AC}"/>
+              </a:ext>
+            </a:extLst>
+          </p:cNvPr>
+          <p:cNvSpPr/>
+          <p:nvPr/>
+        </p:nvSpPr>
+        <p:spPr>
+          <a:xfrm>
+            <a:off x="4323306" y="3570085"/>
+            <a:ext cx="920383" cy="309896"/>
+          </a:xfrm>
+          <a:prstGeom prst="rect">
+            <a:avLst/>
+          </a:prstGeom>
+          <a:solidFill>
+            <a:schemeClr val="bg1"/>
+          </a:solidFill>
+        </p:spPr>
+        <p:style>
+          <a:lnRef idx="2">
+            <a:schemeClr val="accent1">
+              <a:shade val="50000"/>
+            </a:schemeClr>
+          </a:lnRef>
+          <a:fillRef idx="1">
+            <a:schemeClr val="accent1"/>
+          </a:fillRef>
+          <a:effectRef idx="0">
+            <a:schemeClr val="accent1"/>
+          </a:effectRef>
+          <a:fontRef idx="minor">
+            <a:schemeClr val="lt1"/>
+          </a:fontRef>
+        </p:style>
+        <p:txBody>
+          <a:bodyPr rtlCol="0" anchor="ctr"/>
+          <a:lstStyle/>
+          <a:p>
+            <a:pPr algn="ctr"/>
+            <a:endParaRPr lang="en-GB"/>
+          </a:p>
+        </p:txBody>
+      </p:sp>
+      <p:sp>
+        <p:nvSpPr>
+          <p:cNvPr id="12" name="Rectangle 11">
+            <a:extLst>
+              <a:ext uri="{FF2B5EF4-FFF2-40B4-BE49-F238E27FC236}">
+                <a16:creationId xmlns:a16="http://schemas.microsoft.com/office/drawing/2014/main" id="{C6DA7446-BAAA-3114-D2C4-D5551E90ED41}"/>
+              </a:ext>
+            </a:extLst>
+          </p:cNvPr>
+          <p:cNvSpPr/>
+          <p:nvPr/>
+        </p:nvSpPr>
+        <p:spPr>
+          <a:xfrm>
+            <a:off x="4305583" y="1540046"/>
+            <a:ext cx="3547872" cy="250460"/>
+          </a:xfrm>
+          <a:prstGeom prst="rect">
+            <a:avLst/>
+          </a:prstGeom>
+          <a:solidFill>
+            <a:schemeClr val="bg1"/>
+          </a:solidFill>
+        </p:spPr>
+        <p:style>
+          <a:lnRef idx="2">
+            <a:schemeClr val="accent1">
+              <a:shade val="50000"/>
+            </a:schemeClr>
+          </a:lnRef>
+          <a:fillRef idx="1">
+            <a:schemeClr val="accent1"/>
+          </a:fillRef>
+          <a:effectRef idx="0">
+            <a:schemeClr val="accent1"/>
+          </a:effectRef>
+          <a:fontRef idx="minor">
+            <a:schemeClr val="lt1"/>
+          </a:fontRef>
+        </p:style>
+        <p:txBody>
+          <a:bodyPr rtlCol="0" anchor="ctr"/>
+          <a:lstStyle/>
+          <a:p>
+            <a:pPr algn="ctr"/>
+            <a:endParaRPr lang="en-GB"/>
+          </a:p>
+        </p:txBody>
+      </p:sp>
+      <p:sp>
+        <p:nvSpPr>
+          <p:cNvPr id="13" name="TextBox 12">
+            <a:extLst>
+              <a:ext uri="{FF2B5EF4-FFF2-40B4-BE49-F238E27FC236}">
+                <a16:creationId xmlns:a16="http://schemas.microsoft.com/office/drawing/2014/main" id="{E12218F2-4799-F1DC-69C7-A61DB1B6AE97}"/>
+              </a:ext>
+            </a:extLst>
+          </p:cNvPr>
+          <p:cNvSpPr txBox="1"/>
+          <p:nvPr/>
+        </p:nvSpPr>
+        <p:spPr>
+          <a:xfrm>
+            <a:off x="2860831" y="2458439"/>
+            <a:ext cx="1581912" cy="369332"/>
+          </a:xfrm>
+          <a:prstGeom prst="rect">
+            <a:avLst/>
+          </a:prstGeom>
+          <a:noFill/>
+        </p:spPr>
+        <p:txBody>
+          <a:bodyPr wrap="square" rtlCol="0">
+            <a:spAutoFit/>
+          </a:bodyPr>
+          <a:lstStyle/>
+          <a:p>
+            <a:r>
+              <a:rPr lang="fi-FI" dirty="0"/>
+              <a:t>Salasana</a:t>
+            </a:r>
+            <a:endParaRPr lang="en-GB" dirty="0"/>
+          </a:p>
+        </p:txBody>
+      </p:sp>
+      <p:sp>
+        <p:nvSpPr>
+          <p:cNvPr id="20" name="Rectangle 19">
+            <a:extLst>
+              <a:ext uri="{FF2B5EF4-FFF2-40B4-BE49-F238E27FC236}">
+                <a16:creationId xmlns:a16="http://schemas.microsoft.com/office/drawing/2014/main" id="{A590EEEB-CD52-6DA6-E3DC-4C296975B032}"/>
+              </a:ext>
+            </a:extLst>
+          </p:cNvPr>
+          <p:cNvSpPr/>
+          <p:nvPr/>
+        </p:nvSpPr>
+        <p:spPr>
+          <a:xfrm>
+            <a:off x="4305583" y="2517875"/>
+            <a:ext cx="3547872" cy="250460"/>
+          </a:xfrm>
+          <a:prstGeom prst="rect">
+            <a:avLst/>
+          </a:prstGeom>
+          <a:solidFill>
+            <a:schemeClr val="bg1"/>
+          </a:solidFill>
+        </p:spPr>
+        <p:style>
+          <a:lnRef idx="2">
+            <a:schemeClr val="accent1">
+              <a:shade val="50000"/>
+            </a:schemeClr>
+          </a:lnRef>
+          <a:fillRef idx="1">
+            <a:schemeClr val="accent1"/>
+          </a:fillRef>
+          <a:effectRef idx="0">
+            <a:schemeClr val="accent1"/>
+          </a:effectRef>
+          <a:fontRef idx="minor">
+            <a:schemeClr val="lt1"/>
+          </a:fontRef>
+        </p:style>
+        <p:txBody>
+          <a:bodyPr rtlCol="0" anchor="ctr"/>
+          <a:lstStyle/>
+          <a:p>
+            <a:pPr algn="ctr"/>
+            <a:endParaRPr lang="en-GB"/>
+          </a:p>
+        </p:txBody>
+      </p:sp>
+    </p:spTree>
+    <p:extLst>
+      <p:ext uri="{BB962C8B-B14F-4D97-AF65-F5344CB8AC3E}">
+        <p14:creationId xmlns:p14="http://schemas.microsoft.com/office/powerpoint/2010/main" val="2521013388"/>
       </p:ext>
     </p:extLst>
   </p:cSld>
